--- a/ppt 16-9/0166.天使报信.pptx
+++ b/ppt 16-9/0166.天使报信.pptx
@@ -129,7 +129,7 @@
           <p:cNvPr id="2" name="标题 1">
             <a:extLst>
               <a:ext uri="{FF2B5EF4-FFF2-40B4-BE49-F238E27FC236}">
-                <a16:creationId xmlns:a16="http://schemas.microsoft.com/office/drawing/2014/main" id="{A1B23520-BA80-F283-692B-977D887BB5A1}"/>
+                <a16:creationId xmlns:a16="http://schemas.microsoft.com/office/drawing/2014/main" id="{50F3A8F9-2B6A-5F55-A570-568F257B600F}"/>
               </a:ext>
             </a:extLst>
           </p:cNvPr>
@@ -166,7 +166,7 @@
           <p:cNvPr id="3" name="副标题 2">
             <a:extLst>
               <a:ext uri="{FF2B5EF4-FFF2-40B4-BE49-F238E27FC236}">
-                <a16:creationId xmlns:a16="http://schemas.microsoft.com/office/drawing/2014/main" id="{D6B81456-6642-22E3-080F-D88717A787D9}"/>
+                <a16:creationId xmlns:a16="http://schemas.microsoft.com/office/drawing/2014/main" id="{570DD5F3-D271-BB14-AFF5-243DB659EA66}"/>
               </a:ext>
             </a:extLst>
           </p:cNvPr>
@@ -236,7 +236,7 @@
           <p:cNvPr id="4" name="日期占位符 3">
             <a:extLst>
               <a:ext uri="{FF2B5EF4-FFF2-40B4-BE49-F238E27FC236}">
-                <a16:creationId xmlns:a16="http://schemas.microsoft.com/office/drawing/2014/main" id="{6742BE85-8170-2F2E-4431-C924270B1CC6}"/>
+                <a16:creationId xmlns:a16="http://schemas.microsoft.com/office/drawing/2014/main" id="{6BE063CD-DD69-03CA-2D08-74EEBAAE9CA1}"/>
               </a:ext>
             </a:extLst>
           </p:cNvPr>
@@ -252,7 +252,7 @@
           <a:bodyPr/>
           <a:lstStyle/>
           <a:p>
-            <a:fld id="{D5767B21-5517-49D0-8A74-A7A195F766E9}" type="datetimeFigureOut">
+            <a:fld id="{47272FC4-A9E6-4D04-AA6D-17C5422F7178}" type="datetimeFigureOut">
               <a:rPr lang="zh-CN" altLang="en-US" smtClean="0"/>
               <a:t>2024/3/10</a:t>
             </a:fld>
@@ -265,7 +265,7 @@
           <p:cNvPr id="5" name="页脚占位符 4">
             <a:extLst>
               <a:ext uri="{FF2B5EF4-FFF2-40B4-BE49-F238E27FC236}">
-                <a16:creationId xmlns:a16="http://schemas.microsoft.com/office/drawing/2014/main" id="{45D494C3-1FCF-7F11-7CC7-4CBC476C2373}"/>
+                <a16:creationId xmlns:a16="http://schemas.microsoft.com/office/drawing/2014/main" id="{C2B94A0E-6CF9-304B-9AC2-2D0BAB25E51D}"/>
               </a:ext>
             </a:extLst>
           </p:cNvPr>
@@ -290,7 +290,7 @@
           <p:cNvPr id="6" name="灯片编号占位符 5">
             <a:extLst>
               <a:ext uri="{FF2B5EF4-FFF2-40B4-BE49-F238E27FC236}">
-                <a16:creationId xmlns:a16="http://schemas.microsoft.com/office/drawing/2014/main" id="{853A552B-BF53-AC82-9B3D-193582817F65}"/>
+                <a16:creationId xmlns:a16="http://schemas.microsoft.com/office/drawing/2014/main" id="{793B36BB-0D98-2C7C-A715-2F76DDA32CE9}"/>
               </a:ext>
             </a:extLst>
           </p:cNvPr>
@@ -306,7 +306,7 @@
           <a:bodyPr/>
           <a:lstStyle/>
           <a:p>
-            <a:fld id="{7AA6719D-BA90-48FB-B492-B559014933C7}" type="slidenum">
+            <a:fld id="{F5D3E3C6-B291-44F0-A6BA-3BA4D9CFC11D}" type="slidenum">
               <a:rPr lang="zh-CN" altLang="en-US" smtClean="0"/>
               <a:t>‹#›</a:t>
             </a:fld>
@@ -317,7 +317,7 @@
     </p:spTree>
     <p:extLst>
       <p:ext uri="{BB962C8B-B14F-4D97-AF65-F5344CB8AC3E}">
-        <p14:creationId xmlns:p14="http://schemas.microsoft.com/office/powerpoint/2010/main" val="4072580150"/>
+        <p14:creationId xmlns:p14="http://schemas.microsoft.com/office/powerpoint/2010/main" val="2660321146"/>
       </p:ext>
     </p:extLst>
   </p:cSld>
@@ -349,7 +349,7 @@
           <p:cNvPr id="2" name="标题 1">
             <a:extLst>
               <a:ext uri="{FF2B5EF4-FFF2-40B4-BE49-F238E27FC236}">
-                <a16:creationId xmlns:a16="http://schemas.microsoft.com/office/drawing/2014/main" id="{E10366D4-F86E-A945-BBDC-7D2D0B590528}"/>
+                <a16:creationId xmlns:a16="http://schemas.microsoft.com/office/drawing/2014/main" id="{B8609C32-3EE8-4F67-AC25-CC5F436F7563}"/>
               </a:ext>
             </a:extLst>
           </p:cNvPr>
@@ -377,7 +377,7 @@
           <p:cNvPr id="3" name="竖排文字占位符 2">
             <a:extLst>
               <a:ext uri="{FF2B5EF4-FFF2-40B4-BE49-F238E27FC236}">
-                <a16:creationId xmlns:a16="http://schemas.microsoft.com/office/drawing/2014/main" id="{DBD621C4-118F-EEA1-7AF0-E1445EEE5AFA}"/>
+                <a16:creationId xmlns:a16="http://schemas.microsoft.com/office/drawing/2014/main" id="{9B464021-E494-9ECF-219E-495199E849B4}"/>
               </a:ext>
             </a:extLst>
           </p:cNvPr>
@@ -434,7 +434,7 @@
           <p:cNvPr id="4" name="日期占位符 3">
             <a:extLst>
               <a:ext uri="{FF2B5EF4-FFF2-40B4-BE49-F238E27FC236}">
-                <a16:creationId xmlns:a16="http://schemas.microsoft.com/office/drawing/2014/main" id="{A9ED5616-44EC-4E44-4865-4EC2CEEEF5CC}"/>
+                <a16:creationId xmlns:a16="http://schemas.microsoft.com/office/drawing/2014/main" id="{6F2C062D-DC1B-BE42-64BF-59913082B858}"/>
               </a:ext>
             </a:extLst>
           </p:cNvPr>
@@ -450,7 +450,7 @@
           <a:bodyPr/>
           <a:lstStyle/>
           <a:p>
-            <a:fld id="{D5767B21-5517-49D0-8A74-A7A195F766E9}" type="datetimeFigureOut">
+            <a:fld id="{47272FC4-A9E6-4D04-AA6D-17C5422F7178}" type="datetimeFigureOut">
               <a:rPr lang="zh-CN" altLang="en-US" smtClean="0"/>
               <a:t>2024/3/10</a:t>
             </a:fld>
@@ -463,7 +463,7 @@
           <p:cNvPr id="5" name="页脚占位符 4">
             <a:extLst>
               <a:ext uri="{FF2B5EF4-FFF2-40B4-BE49-F238E27FC236}">
-                <a16:creationId xmlns:a16="http://schemas.microsoft.com/office/drawing/2014/main" id="{C69EC5A9-B56D-03E7-4AF0-7869608CFF65}"/>
+                <a16:creationId xmlns:a16="http://schemas.microsoft.com/office/drawing/2014/main" id="{1E12DC4A-08BA-92EB-7CCC-BB3C140ACF7D}"/>
               </a:ext>
             </a:extLst>
           </p:cNvPr>
@@ -488,7 +488,7 @@
           <p:cNvPr id="6" name="灯片编号占位符 5">
             <a:extLst>
               <a:ext uri="{FF2B5EF4-FFF2-40B4-BE49-F238E27FC236}">
-                <a16:creationId xmlns:a16="http://schemas.microsoft.com/office/drawing/2014/main" id="{E36392B8-5913-9119-99DE-79D49DF951FA}"/>
+                <a16:creationId xmlns:a16="http://schemas.microsoft.com/office/drawing/2014/main" id="{8D020E32-E67C-560B-A7A2-B3A8FA0F7763}"/>
               </a:ext>
             </a:extLst>
           </p:cNvPr>
@@ -504,7 +504,7 @@
           <a:bodyPr/>
           <a:lstStyle/>
           <a:p>
-            <a:fld id="{7AA6719D-BA90-48FB-B492-B559014933C7}" type="slidenum">
+            <a:fld id="{F5D3E3C6-B291-44F0-A6BA-3BA4D9CFC11D}" type="slidenum">
               <a:rPr lang="zh-CN" altLang="en-US" smtClean="0"/>
               <a:t>‹#›</a:t>
             </a:fld>
@@ -515,7 +515,7 @@
     </p:spTree>
     <p:extLst>
       <p:ext uri="{BB962C8B-B14F-4D97-AF65-F5344CB8AC3E}">
-        <p14:creationId xmlns:p14="http://schemas.microsoft.com/office/powerpoint/2010/main" val="2394772126"/>
+        <p14:creationId xmlns:p14="http://schemas.microsoft.com/office/powerpoint/2010/main" val="3651873107"/>
       </p:ext>
     </p:extLst>
   </p:cSld>
@@ -547,7 +547,7 @@
           <p:cNvPr id="2" name="竖排标题 1">
             <a:extLst>
               <a:ext uri="{FF2B5EF4-FFF2-40B4-BE49-F238E27FC236}">
-                <a16:creationId xmlns:a16="http://schemas.microsoft.com/office/drawing/2014/main" id="{46D85812-4EE8-B05D-4056-1A8D83731962}"/>
+                <a16:creationId xmlns:a16="http://schemas.microsoft.com/office/drawing/2014/main" id="{2C381614-9C71-166C-B01F-9EBA72191543}"/>
               </a:ext>
             </a:extLst>
           </p:cNvPr>
@@ -580,7 +580,7 @@
           <p:cNvPr id="3" name="竖排文字占位符 2">
             <a:extLst>
               <a:ext uri="{FF2B5EF4-FFF2-40B4-BE49-F238E27FC236}">
-                <a16:creationId xmlns:a16="http://schemas.microsoft.com/office/drawing/2014/main" id="{D767B4D7-D2EA-9A73-7089-5144BFC8F11F}"/>
+                <a16:creationId xmlns:a16="http://schemas.microsoft.com/office/drawing/2014/main" id="{69AF5103-EC0B-D440-2BD9-4010A86E73B9}"/>
               </a:ext>
             </a:extLst>
           </p:cNvPr>
@@ -642,7 +642,7 @@
           <p:cNvPr id="4" name="日期占位符 3">
             <a:extLst>
               <a:ext uri="{FF2B5EF4-FFF2-40B4-BE49-F238E27FC236}">
-                <a16:creationId xmlns:a16="http://schemas.microsoft.com/office/drawing/2014/main" id="{E405BA09-2F0B-B3B0-ACEF-D4BFF96CEBED}"/>
+                <a16:creationId xmlns:a16="http://schemas.microsoft.com/office/drawing/2014/main" id="{40EA4696-4819-2851-AE8A-00DE31403DF4}"/>
               </a:ext>
             </a:extLst>
           </p:cNvPr>
@@ -658,7 +658,7 @@
           <a:bodyPr/>
           <a:lstStyle/>
           <a:p>
-            <a:fld id="{D5767B21-5517-49D0-8A74-A7A195F766E9}" type="datetimeFigureOut">
+            <a:fld id="{47272FC4-A9E6-4D04-AA6D-17C5422F7178}" type="datetimeFigureOut">
               <a:rPr lang="zh-CN" altLang="en-US" smtClean="0"/>
               <a:t>2024/3/10</a:t>
             </a:fld>
@@ -671,7 +671,7 @@
           <p:cNvPr id="5" name="页脚占位符 4">
             <a:extLst>
               <a:ext uri="{FF2B5EF4-FFF2-40B4-BE49-F238E27FC236}">
-                <a16:creationId xmlns:a16="http://schemas.microsoft.com/office/drawing/2014/main" id="{CE251FC6-6F9E-AECF-A8BC-D7D2B850BAF6}"/>
+                <a16:creationId xmlns:a16="http://schemas.microsoft.com/office/drawing/2014/main" id="{DA552AAA-83E5-404B-946C-54A6E81DB85D}"/>
               </a:ext>
             </a:extLst>
           </p:cNvPr>
@@ -696,7 +696,7 @@
           <p:cNvPr id="6" name="灯片编号占位符 5">
             <a:extLst>
               <a:ext uri="{FF2B5EF4-FFF2-40B4-BE49-F238E27FC236}">
-                <a16:creationId xmlns:a16="http://schemas.microsoft.com/office/drawing/2014/main" id="{86BBBA8E-223C-0C49-9EE0-E88054FB0557}"/>
+                <a16:creationId xmlns:a16="http://schemas.microsoft.com/office/drawing/2014/main" id="{40A57D97-DC89-63E7-147B-9353BA196F42}"/>
               </a:ext>
             </a:extLst>
           </p:cNvPr>
@@ -712,7 +712,7 @@
           <a:bodyPr/>
           <a:lstStyle/>
           <a:p>
-            <a:fld id="{7AA6719D-BA90-48FB-B492-B559014933C7}" type="slidenum">
+            <a:fld id="{F5D3E3C6-B291-44F0-A6BA-3BA4D9CFC11D}" type="slidenum">
               <a:rPr lang="zh-CN" altLang="en-US" smtClean="0"/>
               <a:t>‹#›</a:t>
             </a:fld>
@@ -723,7 +723,7 @@
     </p:spTree>
     <p:extLst>
       <p:ext uri="{BB962C8B-B14F-4D97-AF65-F5344CB8AC3E}">
-        <p14:creationId xmlns:p14="http://schemas.microsoft.com/office/powerpoint/2010/main" val="611533284"/>
+        <p14:creationId xmlns:p14="http://schemas.microsoft.com/office/powerpoint/2010/main" val="2445001344"/>
       </p:ext>
     </p:extLst>
   </p:cSld>
@@ -755,7 +755,7 @@
           <p:cNvPr id="2" name="标题 1">
             <a:extLst>
               <a:ext uri="{FF2B5EF4-FFF2-40B4-BE49-F238E27FC236}">
-                <a16:creationId xmlns:a16="http://schemas.microsoft.com/office/drawing/2014/main" id="{0FE78151-FDA8-AD34-B5ED-95D68D6EFFC0}"/>
+                <a16:creationId xmlns:a16="http://schemas.microsoft.com/office/drawing/2014/main" id="{AC360865-1197-9434-50DD-8CF8CFB0CDA1}"/>
               </a:ext>
             </a:extLst>
           </p:cNvPr>
@@ -783,7 +783,7 @@
           <p:cNvPr id="3" name="内容占位符 2">
             <a:extLst>
               <a:ext uri="{FF2B5EF4-FFF2-40B4-BE49-F238E27FC236}">
-                <a16:creationId xmlns:a16="http://schemas.microsoft.com/office/drawing/2014/main" id="{F637125F-D013-120E-80E8-92E09F2EFD24}"/>
+                <a16:creationId xmlns:a16="http://schemas.microsoft.com/office/drawing/2014/main" id="{AA88122D-F9DE-E1D3-A3CD-15BD3C9054D2}"/>
               </a:ext>
             </a:extLst>
           </p:cNvPr>
@@ -840,7 +840,7 @@
           <p:cNvPr id="4" name="日期占位符 3">
             <a:extLst>
               <a:ext uri="{FF2B5EF4-FFF2-40B4-BE49-F238E27FC236}">
-                <a16:creationId xmlns:a16="http://schemas.microsoft.com/office/drawing/2014/main" id="{6D1A0E9B-7B2B-9FF8-04FF-D8271F53EEBF}"/>
+                <a16:creationId xmlns:a16="http://schemas.microsoft.com/office/drawing/2014/main" id="{7C6D8459-3AC8-2C5E-D478-271ADB10B4E5}"/>
               </a:ext>
             </a:extLst>
           </p:cNvPr>
@@ -856,7 +856,7 @@
           <a:bodyPr/>
           <a:lstStyle/>
           <a:p>
-            <a:fld id="{D5767B21-5517-49D0-8A74-A7A195F766E9}" type="datetimeFigureOut">
+            <a:fld id="{47272FC4-A9E6-4D04-AA6D-17C5422F7178}" type="datetimeFigureOut">
               <a:rPr lang="zh-CN" altLang="en-US" smtClean="0"/>
               <a:t>2024/3/10</a:t>
             </a:fld>
@@ -869,7 +869,7 @@
           <p:cNvPr id="5" name="页脚占位符 4">
             <a:extLst>
               <a:ext uri="{FF2B5EF4-FFF2-40B4-BE49-F238E27FC236}">
-                <a16:creationId xmlns:a16="http://schemas.microsoft.com/office/drawing/2014/main" id="{2A0A8F31-8FAB-3C6D-C3C1-446FFF421297}"/>
+                <a16:creationId xmlns:a16="http://schemas.microsoft.com/office/drawing/2014/main" id="{3B3BD67A-1DDB-9A37-02DE-1C2D645B9BCD}"/>
               </a:ext>
             </a:extLst>
           </p:cNvPr>
@@ -894,7 +894,7 @@
           <p:cNvPr id="6" name="灯片编号占位符 5">
             <a:extLst>
               <a:ext uri="{FF2B5EF4-FFF2-40B4-BE49-F238E27FC236}">
-                <a16:creationId xmlns:a16="http://schemas.microsoft.com/office/drawing/2014/main" id="{A6DE341A-9F99-F5C9-3B7B-6BDD8F193D17}"/>
+                <a16:creationId xmlns:a16="http://schemas.microsoft.com/office/drawing/2014/main" id="{E70FC6B0-0BEC-3406-ED0F-A94C9E32E49D}"/>
               </a:ext>
             </a:extLst>
           </p:cNvPr>
@@ -910,7 +910,7 @@
           <a:bodyPr/>
           <a:lstStyle/>
           <a:p>
-            <a:fld id="{7AA6719D-BA90-48FB-B492-B559014933C7}" type="slidenum">
+            <a:fld id="{F5D3E3C6-B291-44F0-A6BA-3BA4D9CFC11D}" type="slidenum">
               <a:rPr lang="zh-CN" altLang="en-US" smtClean="0"/>
               <a:t>‹#›</a:t>
             </a:fld>
@@ -921,7 +921,7 @@
     </p:spTree>
     <p:extLst>
       <p:ext uri="{BB962C8B-B14F-4D97-AF65-F5344CB8AC3E}">
-        <p14:creationId xmlns:p14="http://schemas.microsoft.com/office/powerpoint/2010/main" val="535306976"/>
+        <p14:creationId xmlns:p14="http://schemas.microsoft.com/office/powerpoint/2010/main" val="3142080390"/>
       </p:ext>
     </p:extLst>
   </p:cSld>
@@ -953,7 +953,7 @@
           <p:cNvPr id="2" name="标题 1">
             <a:extLst>
               <a:ext uri="{FF2B5EF4-FFF2-40B4-BE49-F238E27FC236}">
-                <a16:creationId xmlns:a16="http://schemas.microsoft.com/office/drawing/2014/main" id="{FD219468-39D3-19E6-1995-66975C7162DA}"/>
+                <a16:creationId xmlns:a16="http://schemas.microsoft.com/office/drawing/2014/main" id="{D4B99288-54E5-B2AD-78C9-AFCF868E7D44}"/>
               </a:ext>
             </a:extLst>
           </p:cNvPr>
@@ -990,7 +990,7 @@
           <p:cNvPr id="3" name="文本占位符 2">
             <a:extLst>
               <a:ext uri="{FF2B5EF4-FFF2-40B4-BE49-F238E27FC236}">
-                <a16:creationId xmlns:a16="http://schemas.microsoft.com/office/drawing/2014/main" id="{C815644C-EBA7-8550-178F-55272B54456C}"/>
+                <a16:creationId xmlns:a16="http://schemas.microsoft.com/office/drawing/2014/main" id="{65B5D03E-F92F-AFE7-83D6-CD318F5BFC26}"/>
               </a:ext>
             </a:extLst>
           </p:cNvPr>
@@ -1115,7 +1115,7 @@
           <p:cNvPr id="4" name="日期占位符 3">
             <a:extLst>
               <a:ext uri="{FF2B5EF4-FFF2-40B4-BE49-F238E27FC236}">
-                <a16:creationId xmlns:a16="http://schemas.microsoft.com/office/drawing/2014/main" id="{1D370A2C-CF6A-9BCB-B175-FE8B6A7CB973}"/>
+                <a16:creationId xmlns:a16="http://schemas.microsoft.com/office/drawing/2014/main" id="{E7E9328E-AE4C-31EE-AD3D-2CDD6D4FD903}"/>
               </a:ext>
             </a:extLst>
           </p:cNvPr>
@@ -1131,7 +1131,7 @@
           <a:bodyPr/>
           <a:lstStyle/>
           <a:p>
-            <a:fld id="{D5767B21-5517-49D0-8A74-A7A195F766E9}" type="datetimeFigureOut">
+            <a:fld id="{47272FC4-A9E6-4D04-AA6D-17C5422F7178}" type="datetimeFigureOut">
               <a:rPr lang="zh-CN" altLang="en-US" smtClean="0"/>
               <a:t>2024/3/10</a:t>
             </a:fld>
@@ -1144,7 +1144,7 @@
           <p:cNvPr id="5" name="页脚占位符 4">
             <a:extLst>
               <a:ext uri="{FF2B5EF4-FFF2-40B4-BE49-F238E27FC236}">
-                <a16:creationId xmlns:a16="http://schemas.microsoft.com/office/drawing/2014/main" id="{3A98452B-E0C2-D20E-0D10-74FDD98CA078}"/>
+                <a16:creationId xmlns:a16="http://schemas.microsoft.com/office/drawing/2014/main" id="{5A87F0A5-B088-7663-F504-B89EAD467AAA}"/>
               </a:ext>
             </a:extLst>
           </p:cNvPr>
@@ -1169,7 +1169,7 @@
           <p:cNvPr id="6" name="灯片编号占位符 5">
             <a:extLst>
               <a:ext uri="{FF2B5EF4-FFF2-40B4-BE49-F238E27FC236}">
-                <a16:creationId xmlns:a16="http://schemas.microsoft.com/office/drawing/2014/main" id="{6C6C60ED-8057-EABE-D17A-1B2F009D136F}"/>
+                <a16:creationId xmlns:a16="http://schemas.microsoft.com/office/drawing/2014/main" id="{6A19A1A9-0DD0-539F-270E-F63C1F10B5A7}"/>
               </a:ext>
             </a:extLst>
           </p:cNvPr>
@@ -1185,7 +1185,7 @@
           <a:bodyPr/>
           <a:lstStyle/>
           <a:p>
-            <a:fld id="{7AA6719D-BA90-48FB-B492-B559014933C7}" type="slidenum">
+            <a:fld id="{F5D3E3C6-B291-44F0-A6BA-3BA4D9CFC11D}" type="slidenum">
               <a:rPr lang="zh-CN" altLang="en-US" smtClean="0"/>
               <a:t>‹#›</a:t>
             </a:fld>
@@ -1196,7 +1196,7 @@
     </p:spTree>
     <p:extLst>
       <p:ext uri="{BB962C8B-B14F-4D97-AF65-F5344CB8AC3E}">
-        <p14:creationId xmlns:p14="http://schemas.microsoft.com/office/powerpoint/2010/main" val="3083337649"/>
+        <p14:creationId xmlns:p14="http://schemas.microsoft.com/office/powerpoint/2010/main" val="267858986"/>
       </p:ext>
     </p:extLst>
   </p:cSld>
@@ -1228,7 +1228,7 @@
           <p:cNvPr id="2" name="标题 1">
             <a:extLst>
               <a:ext uri="{FF2B5EF4-FFF2-40B4-BE49-F238E27FC236}">
-                <a16:creationId xmlns:a16="http://schemas.microsoft.com/office/drawing/2014/main" id="{35672B9B-99A3-01A3-E9F7-F5D694CB194B}"/>
+                <a16:creationId xmlns:a16="http://schemas.microsoft.com/office/drawing/2014/main" id="{7234E943-62A0-2EC8-1A7D-BC29EFCA39BF}"/>
               </a:ext>
             </a:extLst>
           </p:cNvPr>
@@ -1256,7 +1256,7 @@
           <p:cNvPr id="3" name="内容占位符 2">
             <a:extLst>
               <a:ext uri="{FF2B5EF4-FFF2-40B4-BE49-F238E27FC236}">
-                <a16:creationId xmlns:a16="http://schemas.microsoft.com/office/drawing/2014/main" id="{FEB17DFB-2513-615D-1B83-4BD2EEEF89C3}"/>
+                <a16:creationId xmlns:a16="http://schemas.microsoft.com/office/drawing/2014/main" id="{1A100E11-E361-C46C-3168-D74D6C1699C9}"/>
               </a:ext>
             </a:extLst>
           </p:cNvPr>
@@ -1318,7 +1318,7 @@
           <p:cNvPr id="4" name="内容占位符 3">
             <a:extLst>
               <a:ext uri="{FF2B5EF4-FFF2-40B4-BE49-F238E27FC236}">
-                <a16:creationId xmlns:a16="http://schemas.microsoft.com/office/drawing/2014/main" id="{6ECDB4F6-710F-8F99-502A-FB88F47497D6}"/>
+                <a16:creationId xmlns:a16="http://schemas.microsoft.com/office/drawing/2014/main" id="{5E9965DC-BEC0-5478-4A0E-9A94366EACB9}"/>
               </a:ext>
             </a:extLst>
           </p:cNvPr>
@@ -1380,7 +1380,7 @@
           <p:cNvPr id="5" name="日期占位符 4">
             <a:extLst>
               <a:ext uri="{FF2B5EF4-FFF2-40B4-BE49-F238E27FC236}">
-                <a16:creationId xmlns:a16="http://schemas.microsoft.com/office/drawing/2014/main" id="{8F3EB38B-77E9-D375-998F-2696A74802AC}"/>
+                <a16:creationId xmlns:a16="http://schemas.microsoft.com/office/drawing/2014/main" id="{5967B3EC-8E05-8CFF-C69E-2A7DD2BD970F}"/>
               </a:ext>
             </a:extLst>
           </p:cNvPr>
@@ -1396,7 +1396,7 @@
           <a:bodyPr/>
           <a:lstStyle/>
           <a:p>
-            <a:fld id="{D5767B21-5517-49D0-8A74-A7A195F766E9}" type="datetimeFigureOut">
+            <a:fld id="{47272FC4-A9E6-4D04-AA6D-17C5422F7178}" type="datetimeFigureOut">
               <a:rPr lang="zh-CN" altLang="en-US" smtClean="0"/>
               <a:t>2024/3/10</a:t>
             </a:fld>
@@ -1409,7 +1409,7 @@
           <p:cNvPr id="6" name="页脚占位符 5">
             <a:extLst>
               <a:ext uri="{FF2B5EF4-FFF2-40B4-BE49-F238E27FC236}">
-                <a16:creationId xmlns:a16="http://schemas.microsoft.com/office/drawing/2014/main" id="{9A017120-A142-871B-906F-95C8940C8737}"/>
+                <a16:creationId xmlns:a16="http://schemas.microsoft.com/office/drawing/2014/main" id="{EFCACB66-C69F-F59A-E457-EB0779B3685E}"/>
               </a:ext>
             </a:extLst>
           </p:cNvPr>
@@ -1434,7 +1434,7 @@
           <p:cNvPr id="7" name="灯片编号占位符 6">
             <a:extLst>
               <a:ext uri="{FF2B5EF4-FFF2-40B4-BE49-F238E27FC236}">
-                <a16:creationId xmlns:a16="http://schemas.microsoft.com/office/drawing/2014/main" id="{A9E1920D-B2DF-3CE7-28A5-0D80DF6BEE3B}"/>
+                <a16:creationId xmlns:a16="http://schemas.microsoft.com/office/drawing/2014/main" id="{6C5A3228-90B4-05B8-FC77-CE849102E0C3}"/>
               </a:ext>
             </a:extLst>
           </p:cNvPr>
@@ -1450,7 +1450,7 @@
           <a:bodyPr/>
           <a:lstStyle/>
           <a:p>
-            <a:fld id="{7AA6719D-BA90-48FB-B492-B559014933C7}" type="slidenum">
+            <a:fld id="{F5D3E3C6-B291-44F0-A6BA-3BA4D9CFC11D}" type="slidenum">
               <a:rPr lang="zh-CN" altLang="en-US" smtClean="0"/>
               <a:t>‹#›</a:t>
             </a:fld>
@@ -1461,7 +1461,7 @@
     </p:spTree>
     <p:extLst>
       <p:ext uri="{BB962C8B-B14F-4D97-AF65-F5344CB8AC3E}">
-        <p14:creationId xmlns:p14="http://schemas.microsoft.com/office/powerpoint/2010/main" val="868562593"/>
+        <p14:creationId xmlns:p14="http://schemas.microsoft.com/office/powerpoint/2010/main" val="3980111325"/>
       </p:ext>
     </p:extLst>
   </p:cSld>
@@ -1493,7 +1493,7 @@
           <p:cNvPr id="2" name="标题 1">
             <a:extLst>
               <a:ext uri="{FF2B5EF4-FFF2-40B4-BE49-F238E27FC236}">
-                <a16:creationId xmlns:a16="http://schemas.microsoft.com/office/drawing/2014/main" id="{057C5CAD-4AE0-1148-C80F-8408C20218BE}"/>
+                <a16:creationId xmlns:a16="http://schemas.microsoft.com/office/drawing/2014/main" id="{309FA703-06CA-1EE8-C568-F460F26A0190}"/>
               </a:ext>
             </a:extLst>
           </p:cNvPr>
@@ -1526,7 +1526,7 @@
           <p:cNvPr id="3" name="文本占位符 2">
             <a:extLst>
               <a:ext uri="{FF2B5EF4-FFF2-40B4-BE49-F238E27FC236}">
-                <a16:creationId xmlns:a16="http://schemas.microsoft.com/office/drawing/2014/main" id="{A0BFF2E7-5D8D-D0A7-AF93-D10887FFBCE0}"/>
+                <a16:creationId xmlns:a16="http://schemas.microsoft.com/office/drawing/2014/main" id="{8E27788A-C70B-40D4-7575-4788B7919B4E}"/>
               </a:ext>
             </a:extLst>
           </p:cNvPr>
@@ -1597,7 +1597,7 @@
           <p:cNvPr id="4" name="内容占位符 3">
             <a:extLst>
               <a:ext uri="{FF2B5EF4-FFF2-40B4-BE49-F238E27FC236}">
-                <a16:creationId xmlns:a16="http://schemas.microsoft.com/office/drawing/2014/main" id="{7AE2CC29-43D8-17CF-8CBF-4BA727667966}"/>
+                <a16:creationId xmlns:a16="http://schemas.microsoft.com/office/drawing/2014/main" id="{AF35BB34-3DB1-986B-FB37-8E918752055B}"/>
               </a:ext>
             </a:extLst>
           </p:cNvPr>
@@ -1659,7 +1659,7 @@
           <p:cNvPr id="5" name="文本占位符 4">
             <a:extLst>
               <a:ext uri="{FF2B5EF4-FFF2-40B4-BE49-F238E27FC236}">
-                <a16:creationId xmlns:a16="http://schemas.microsoft.com/office/drawing/2014/main" id="{EEDEF87F-D363-8849-59C4-A0151ACBF374}"/>
+                <a16:creationId xmlns:a16="http://schemas.microsoft.com/office/drawing/2014/main" id="{A30063B4-AEED-F5E9-C89F-AE597FFB1B19}"/>
               </a:ext>
             </a:extLst>
           </p:cNvPr>
@@ -1730,7 +1730,7 @@
           <p:cNvPr id="6" name="内容占位符 5">
             <a:extLst>
               <a:ext uri="{FF2B5EF4-FFF2-40B4-BE49-F238E27FC236}">
-                <a16:creationId xmlns:a16="http://schemas.microsoft.com/office/drawing/2014/main" id="{FDD3BE6C-FBA9-DFCA-EA6C-A083FE39FF10}"/>
+                <a16:creationId xmlns:a16="http://schemas.microsoft.com/office/drawing/2014/main" id="{569C7F89-7E79-C605-B20C-DB3002D80314}"/>
               </a:ext>
             </a:extLst>
           </p:cNvPr>
@@ -1792,7 +1792,7 @@
           <p:cNvPr id="7" name="日期占位符 6">
             <a:extLst>
               <a:ext uri="{FF2B5EF4-FFF2-40B4-BE49-F238E27FC236}">
-                <a16:creationId xmlns:a16="http://schemas.microsoft.com/office/drawing/2014/main" id="{3A974D6D-6A43-7DFA-8971-1915F4B1244D}"/>
+                <a16:creationId xmlns:a16="http://schemas.microsoft.com/office/drawing/2014/main" id="{D5225D24-6150-0380-8FA1-9AB68C2A607E}"/>
               </a:ext>
             </a:extLst>
           </p:cNvPr>
@@ -1808,7 +1808,7 @@
           <a:bodyPr/>
           <a:lstStyle/>
           <a:p>
-            <a:fld id="{D5767B21-5517-49D0-8A74-A7A195F766E9}" type="datetimeFigureOut">
+            <a:fld id="{47272FC4-A9E6-4D04-AA6D-17C5422F7178}" type="datetimeFigureOut">
               <a:rPr lang="zh-CN" altLang="en-US" smtClean="0"/>
               <a:t>2024/3/10</a:t>
             </a:fld>
@@ -1821,7 +1821,7 @@
           <p:cNvPr id="8" name="页脚占位符 7">
             <a:extLst>
               <a:ext uri="{FF2B5EF4-FFF2-40B4-BE49-F238E27FC236}">
-                <a16:creationId xmlns:a16="http://schemas.microsoft.com/office/drawing/2014/main" id="{0278A79B-6C10-3920-B8B5-E674EEA29D5B}"/>
+                <a16:creationId xmlns:a16="http://schemas.microsoft.com/office/drawing/2014/main" id="{663FA955-D7FC-0322-E496-962978D8B638}"/>
               </a:ext>
             </a:extLst>
           </p:cNvPr>
@@ -1846,7 +1846,7 @@
           <p:cNvPr id="9" name="灯片编号占位符 8">
             <a:extLst>
               <a:ext uri="{FF2B5EF4-FFF2-40B4-BE49-F238E27FC236}">
-                <a16:creationId xmlns:a16="http://schemas.microsoft.com/office/drawing/2014/main" id="{0CD5B399-AB35-0507-88EB-61877E69A2F5}"/>
+                <a16:creationId xmlns:a16="http://schemas.microsoft.com/office/drawing/2014/main" id="{CFC59E69-B752-EA8E-2F18-D88A35AC3B84}"/>
               </a:ext>
             </a:extLst>
           </p:cNvPr>
@@ -1862,7 +1862,7 @@
           <a:bodyPr/>
           <a:lstStyle/>
           <a:p>
-            <a:fld id="{7AA6719D-BA90-48FB-B492-B559014933C7}" type="slidenum">
+            <a:fld id="{F5D3E3C6-B291-44F0-A6BA-3BA4D9CFC11D}" type="slidenum">
               <a:rPr lang="zh-CN" altLang="en-US" smtClean="0"/>
               <a:t>‹#›</a:t>
             </a:fld>
@@ -1873,7 +1873,7 @@
     </p:spTree>
     <p:extLst>
       <p:ext uri="{BB962C8B-B14F-4D97-AF65-F5344CB8AC3E}">
-        <p14:creationId xmlns:p14="http://schemas.microsoft.com/office/powerpoint/2010/main" val="459526794"/>
+        <p14:creationId xmlns:p14="http://schemas.microsoft.com/office/powerpoint/2010/main" val="3682225352"/>
       </p:ext>
     </p:extLst>
   </p:cSld>
@@ -1905,7 +1905,7 @@
           <p:cNvPr id="2" name="标题 1">
             <a:extLst>
               <a:ext uri="{FF2B5EF4-FFF2-40B4-BE49-F238E27FC236}">
-                <a16:creationId xmlns:a16="http://schemas.microsoft.com/office/drawing/2014/main" id="{C50C39B3-86D8-B0CF-BFE9-398EF79099EB}"/>
+                <a16:creationId xmlns:a16="http://schemas.microsoft.com/office/drawing/2014/main" id="{FCE8CAD3-B3F5-4B1B-8F34-64A4E9CB86D0}"/>
               </a:ext>
             </a:extLst>
           </p:cNvPr>
@@ -1933,7 +1933,7 @@
           <p:cNvPr id="3" name="日期占位符 2">
             <a:extLst>
               <a:ext uri="{FF2B5EF4-FFF2-40B4-BE49-F238E27FC236}">
-                <a16:creationId xmlns:a16="http://schemas.microsoft.com/office/drawing/2014/main" id="{989DC165-1E4D-6CCA-F246-C9EBC8770B1A}"/>
+                <a16:creationId xmlns:a16="http://schemas.microsoft.com/office/drawing/2014/main" id="{16103852-6675-82FD-18E6-23E141791A7F}"/>
               </a:ext>
             </a:extLst>
           </p:cNvPr>
@@ -1949,7 +1949,7 @@
           <a:bodyPr/>
           <a:lstStyle/>
           <a:p>
-            <a:fld id="{D5767B21-5517-49D0-8A74-A7A195F766E9}" type="datetimeFigureOut">
+            <a:fld id="{47272FC4-A9E6-4D04-AA6D-17C5422F7178}" type="datetimeFigureOut">
               <a:rPr lang="zh-CN" altLang="en-US" smtClean="0"/>
               <a:t>2024/3/10</a:t>
             </a:fld>
@@ -1962,7 +1962,7 @@
           <p:cNvPr id="4" name="页脚占位符 3">
             <a:extLst>
               <a:ext uri="{FF2B5EF4-FFF2-40B4-BE49-F238E27FC236}">
-                <a16:creationId xmlns:a16="http://schemas.microsoft.com/office/drawing/2014/main" id="{E6FFB01B-3BA8-F203-A5DD-0221F2D9D60A}"/>
+                <a16:creationId xmlns:a16="http://schemas.microsoft.com/office/drawing/2014/main" id="{899CED72-8CF5-3B83-153A-C844D88F1C12}"/>
               </a:ext>
             </a:extLst>
           </p:cNvPr>
@@ -1987,7 +1987,7 @@
           <p:cNvPr id="5" name="灯片编号占位符 4">
             <a:extLst>
               <a:ext uri="{FF2B5EF4-FFF2-40B4-BE49-F238E27FC236}">
-                <a16:creationId xmlns:a16="http://schemas.microsoft.com/office/drawing/2014/main" id="{6F4BAF29-4134-31DC-EA3D-D6321220591B}"/>
+                <a16:creationId xmlns:a16="http://schemas.microsoft.com/office/drawing/2014/main" id="{FE448A64-257A-3E89-EA48-1ED1DC0519D8}"/>
               </a:ext>
             </a:extLst>
           </p:cNvPr>
@@ -2003,7 +2003,7 @@
           <a:bodyPr/>
           <a:lstStyle/>
           <a:p>
-            <a:fld id="{7AA6719D-BA90-48FB-B492-B559014933C7}" type="slidenum">
+            <a:fld id="{F5D3E3C6-B291-44F0-A6BA-3BA4D9CFC11D}" type="slidenum">
               <a:rPr lang="zh-CN" altLang="en-US" smtClean="0"/>
               <a:t>‹#›</a:t>
             </a:fld>
@@ -2014,7 +2014,7 @@
     </p:spTree>
     <p:extLst>
       <p:ext uri="{BB962C8B-B14F-4D97-AF65-F5344CB8AC3E}">
-        <p14:creationId xmlns:p14="http://schemas.microsoft.com/office/powerpoint/2010/main" val="2961586823"/>
+        <p14:creationId xmlns:p14="http://schemas.microsoft.com/office/powerpoint/2010/main" val="3186021996"/>
       </p:ext>
     </p:extLst>
   </p:cSld>
@@ -2046,7 +2046,7 @@
           <p:cNvPr id="2" name="日期占位符 1">
             <a:extLst>
               <a:ext uri="{FF2B5EF4-FFF2-40B4-BE49-F238E27FC236}">
-                <a16:creationId xmlns:a16="http://schemas.microsoft.com/office/drawing/2014/main" id="{542BC7B7-6DB8-EF4F-B6B5-4D5C2494C84C}"/>
+                <a16:creationId xmlns:a16="http://schemas.microsoft.com/office/drawing/2014/main" id="{F1DA98A9-A237-4F71-09BF-27E1C5DAC2EF}"/>
               </a:ext>
             </a:extLst>
           </p:cNvPr>
@@ -2062,7 +2062,7 @@
           <a:bodyPr/>
           <a:lstStyle/>
           <a:p>
-            <a:fld id="{D5767B21-5517-49D0-8A74-A7A195F766E9}" type="datetimeFigureOut">
+            <a:fld id="{47272FC4-A9E6-4D04-AA6D-17C5422F7178}" type="datetimeFigureOut">
               <a:rPr lang="zh-CN" altLang="en-US" smtClean="0"/>
               <a:t>2024/3/10</a:t>
             </a:fld>
@@ -2075,7 +2075,7 @@
           <p:cNvPr id="3" name="页脚占位符 2">
             <a:extLst>
               <a:ext uri="{FF2B5EF4-FFF2-40B4-BE49-F238E27FC236}">
-                <a16:creationId xmlns:a16="http://schemas.microsoft.com/office/drawing/2014/main" id="{79D0C2F2-D13F-1747-56B3-863993E518A0}"/>
+                <a16:creationId xmlns:a16="http://schemas.microsoft.com/office/drawing/2014/main" id="{BD445092-5239-0227-F59F-0C96E164FF1A}"/>
               </a:ext>
             </a:extLst>
           </p:cNvPr>
@@ -2100,7 +2100,7 @@
           <p:cNvPr id="4" name="灯片编号占位符 3">
             <a:extLst>
               <a:ext uri="{FF2B5EF4-FFF2-40B4-BE49-F238E27FC236}">
-                <a16:creationId xmlns:a16="http://schemas.microsoft.com/office/drawing/2014/main" id="{89483463-3B13-3B44-85F3-A016DB431CF8}"/>
+                <a16:creationId xmlns:a16="http://schemas.microsoft.com/office/drawing/2014/main" id="{EB4DB393-4706-BC03-D76F-C2371549B79B}"/>
               </a:ext>
             </a:extLst>
           </p:cNvPr>
@@ -2116,7 +2116,7 @@
           <a:bodyPr/>
           <a:lstStyle/>
           <a:p>
-            <a:fld id="{7AA6719D-BA90-48FB-B492-B559014933C7}" type="slidenum">
+            <a:fld id="{F5D3E3C6-B291-44F0-A6BA-3BA4D9CFC11D}" type="slidenum">
               <a:rPr lang="zh-CN" altLang="en-US" smtClean="0"/>
               <a:t>‹#›</a:t>
             </a:fld>
@@ -2127,7 +2127,7 @@
     </p:spTree>
     <p:extLst>
       <p:ext uri="{BB962C8B-B14F-4D97-AF65-F5344CB8AC3E}">
-        <p14:creationId xmlns:p14="http://schemas.microsoft.com/office/powerpoint/2010/main" val="1696307030"/>
+        <p14:creationId xmlns:p14="http://schemas.microsoft.com/office/powerpoint/2010/main" val="2352161857"/>
       </p:ext>
     </p:extLst>
   </p:cSld>
@@ -2159,7 +2159,7 @@
           <p:cNvPr id="2" name="标题 1">
             <a:extLst>
               <a:ext uri="{FF2B5EF4-FFF2-40B4-BE49-F238E27FC236}">
-                <a16:creationId xmlns:a16="http://schemas.microsoft.com/office/drawing/2014/main" id="{438E9FAD-3C7C-4C70-0465-97CB83B5E704}"/>
+                <a16:creationId xmlns:a16="http://schemas.microsoft.com/office/drawing/2014/main" id="{E6476FC8-5CA0-F930-E41D-30FBDE0FD53C}"/>
               </a:ext>
             </a:extLst>
           </p:cNvPr>
@@ -2196,7 +2196,7 @@
           <p:cNvPr id="3" name="内容占位符 2">
             <a:extLst>
               <a:ext uri="{FF2B5EF4-FFF2-40B4-BE49-F238E27FC236}">
-                <a16:creationId xmlns:a16="http://schemas.microsoft.com/office/drawing/2014/main" id="{E08B3349-35AD-6B79-7740-CEDA38545D7C}"/>
+                <a16:creationId xmlns:a16="http://schemas.microsoft.com/office/drawing/2014/main" id="{820469FE-4AFE-1E43-170D-3FD3482444DE}"/>
               </a:ext>
             </a:extLst>
           </p:cNvPr>
@@ -2286,7 +2286,7 @@
           <p:cNvPr id="4" name="文本占位符 3">
             <a:extLst>
               <a:ext uri="{FF2B5EF4-FFF2-40B4-BE49-F238E27FC236}">
-                <a16:creationId xmlns:a16="http://schemas.microsoft.com/office/drawing/2014/main" id="{AB71DF1A-71FB-F3B6-8B84-FF83A8700D7C}"/>
+                <a16:creationId xmlns:a16="http://schemas.microsoft.com/office/drawing/2014/main" id="{53F8500A-26B9-5E6B-B1FC-896CFE88E950}"/>
               </a:ext>
             </a:extLst>
           </p:cNvPr>
@@ -2357,7 +2357,7 @@
           <p:cNvPr id="5" name="日期占位符 4">
             <a:extLst>
               <a:ext uri="{FF2B5EF4-FFF2-40B4-BE49-F238E27FC236}">
-                <a16:creationId xmlns:a16="http://schemas.microsoft.com/office/drawing/2014/main" id="{66F1CAF1-6951-E469-5119-1495111F40FE}"/>
+                <a16:creationId xmlns:a16="http://schemas.microsoft.com/office/drawing/2014/main" id="{4B635C1B-A084-C4EF-3D4E-F3DBF25CC2BA}"/>
               </a:ext>
             </a:extLst>
           </p:cNvPr>
@@ -2373,7 +2373,7 @@
           <a:bodyPr/>
           <a:lstStyle/>
           <a:p>
-            <a:fld id="{D5767B21-5517-49D0-8A74-A7A195F766E9}" type="datetimeFigureOut">
+            <a:fld id="{47272FC4-A9E6-4D04-AA6D-17C5422F7178}" type="datetimeFigureOut">
               <a:rPr lang="zh-CN" altLang="en-US" smtClean="0"/>
               <a:t>2024/3/10</a:t>
             </a:fld>
@@ -2386,7 +2386,7 @@
           <p:cNvPr id="6" name="页脚占位符 5">
             <a:extLst>
               <a:ext uri="{FF2B5EF4-FFF2-40B4-BE49-F238E27FC236}">
-                <a16:creationId xmlns:a16="http://schemas.microsoft.com/office/drawing/2014/main" id="{4CE0C781-38CF-F6BA-2827-B34B6F987425}"/>
+                <a16:creationId xmlns:a16="http://schemas.microsoft.com/office/drawing/2014/main" id="{CD39063A-3F21-C749-0667-175D1F4AF078}"/>
               </a:ext>
             </a:extLst>
           </p:cNvPr>
@@ -2411,7 +2411,7 @@
           <p:cNvPr id="7" name="灯片编号占位符 6">
             <a:extLst>
               <a:ext uri="{FF2B5EF4-FFF2-40B4-BE49-F238E27FC236}">
-                <a16:creationId xmlns:a16="http://schemas.microsoft.com/office/drawing/2014/main" id="{838DCAFB-63E2-1D23-3074-FDC7EC44F0E5}"/>
+                <a16:creationId xmlns:a16="http://schemas.microsoft.com/office/drawing/2014/main" id="{6AD0DD30-A384-572C-86F3-E7BDE5BEFFFD}"/>
               </a:ext>
             </a:extLst>
           </p:cNvPr>
@@ -2427,7 +2427,7 @@
           <a:bodyPr/>
           <a:lstStyle/>
           <a:p>
-            <a:fld id="{7AA6719D-BA90-48FB-B492-B559014933C7}" type="slidenum">
+            <a:fld id="{F5D3E3C6-B291-44F0-A6BA-3BA4D9CFC11D}" type="slidenum">
               <a:rPr lang="zh-CN" altLang="en-US" smtClean="0"/>
               <a:t>‹#›</a:t>
             </a:fld>
@@ -2438,7 +2438,7 @@
     </p:spTree>
     <p:extLst>
       <p:ext uri="{BB962C8B-B14F-4D97-AF65-F5344CB8AC3E}">
-        <p14:creationId xmlns:p14="http://schemas.microsoft.com/office/powerpoint/2010/main" val="1290110533"/>
+        <p14:creationId xmlns:p14="http://schemas.microsoft.com/office/powerpoint/2010/main" val="3299755684"/>
       </p:ext>
     </p:extLst>
   </p:cSld>
@@ -2470,7 +2470,7 @@
           <p:cNvPr id="2" name="标题 1">
             <a:extLst>
               <a:ext uri="{FF2B5EF4-FFF2-40B4-BE49-F238E27FC236}">
-                <a16:creationId xmlns:a16="http://schemas.microsoft.com/office/drawing/2014/main" id="{F7108BB7-8EA8-CF83-C4DE-88E38F08E013}"/>
+                <a16:creationId xmlns:a16="http://schemas.microsoft.com/office/drawing/2014/main" id="{12E4B95F-3CA6-EA52-9DC2-714BE9A3C391}"/>
               </a:ext>
             </a:extLst>
           </p:cNvPr>
@@ -2507,7 +2507,7 @@
           <p:cNvPr id="3" name="图片占位符 2">
             <a:extLst>
               <a:ext uri="{FF2B5EF4-FFF2-40B4-BE49-F238E27FC236}">
-                <a16:creationId xmlns:a16="http://schemas.microsoft.com/office/drawing/2014/main" id="{06E80047-DB2E-1120-138B-82CA56447114}"/>
+                <a16:creationId xmlns:a16="http://schemas.microsoft.com/office/drawing/2014/main" id="{FA553D76-07ED-BBCF-F37B-77F82C024A83}"/>
               </a:ext>
             </a:extLst>
           </p:cNvPr>
@@ -2574,7 +2574,7 @@
           <p:cNvPr id="4" name="文本占位符 3">
             <a:extLst>
               <a:ext uri="{FF2B5EF4-FFF2-40B4-BE49-F238E27FC236}">
-                <a16:creationId xmlns:a16="http://schemas.microsoft.com/office/drawing/2014/main" id="{41B92BB9-EC5D-77DA-2D85-FFC0E2C32D2D}"/>
+                <a16:creationId xmlns:a16="http://schemas.microsoft.com/office/drawing/2014/main" id="{2BF61230-B5B8-AB5C-8695-0D51BACB8057}"/>
               </a:ext>
             </a:extLst>
           </p:cNvPr>
@@ -2645,7 +2645,7 @@
           <p:cNvPr id="5" name="日期占位符 4">
             <a:extLst>
               <a:ext uri="{FF2B5EF4-FFF2-40B4-BE49-F238E27FC236}">
-                <a16:creationId xmlns:a16="http://schemas.microsoft.com/office/drawing/2014/main" id="{FBA2F435-A676-F9CF-1F7E-8743A7DC3D6D}"/>
+                <a16:creationId xmlns:a16="http://schemas.microsoft.com/office/drawing/2014/main" id="{36A157FC-011C-D77C-6BDE-BA4C50AF3BC6}"/>
               </a:ext>
             </a:extLst>
           </p:cNvPr>
@@ -2661,7 +2661,7 @@
           <a:bodyPr/>
           <a:lstStyle/>
           <a:p>
-            <a:fld id="{D5767B21-5517-49D0-8A74-A7A195F766E9}" type="datetimeFigureOut">
+            <a:fld id="{47272FC4-A9E6-4D04-AA6D-17C5422F7178}" type="datetimeFigureOut">
               <a:rPr lang="zh-CN" altLang="en-US" smtClean="0"/>
               <a:t>2024/3/10</a:t>
             </a:fld>
@@ -2674,7 +2674,7 @@
           <p:cNvPr id="6" name="页脚占位符 5">
             <a:extLst>
               <a:ext uri="{FF2B5EF4-FFF2-40B4-BE49-F238E27FC236}">
-                <a16:creationId xmlns:a16="http://schemas.microsoft.com/office/drawing/2014/main" id="{73E254D0-6F13-0318-7A9C-4114F68A812C}"/>
+                <a16:creationId xmlns:a16="http://schemas.microsoft.com/office/drawing/2014/main" id="{604B9926-69E2-8E1A-3437-7036A7FA4FF8}"/>
               </a:ext>
             </a:extLst>
           </p:cNvPr>
@@ -2699,7 +2699,7 @@
           <p:cNvPr id="7" name="灯片编号占位符 6">
             <a:extLst>
               <a:ext uri="{FF2B5EF4-FFF2-40B4-BE49-F238E27FC236}">
-                <a16:creationId xmlns:a16="http://schemas.microsoft.com/office/drawing/2014/main" id="{395A8526-4151-23EE-A8BF-51B08D39A31F}"/>
+                <a16:creationId xmlns:a16="http://schemas.microsoft.com/office/drawing/2014/main" id="{9BE0AC46-32EB-E16B-0DD8-930AAF7B1D60}"/>
               </a:ext>
             </a:extLst>
           </p:cNvPr>
@@ -2715,7 +2715,7 @@
           <a:bodyPr/>
           <a:lstStyle/>
           <a:p>
-            <a:fld id="{7AA6719D-BA90-48FB-B492-B559014933C7}" type="slidenum">
+            <a:fld id="{F5D3E3C6-B291-44F0-A6BA-3BA4D9CFC11D}" type="slidenum">
               <a:rPr lang="zh-CN" altLang="en-US" smtClean="0"/>
               <a:t>‹#›</a:t>
             </a:fld>
@@ -2726,7 +2726,7 @@
     </p:spTree>
     <p:extLst>
       <p:ext uri="{BB962C8B-B14F-4D97-AF65-F5344CB8AC3E}">
-        <p14:creationId xmlns:p14="http://schemas.microsoft.com/office/powerpoint/2010/main" val="4026737928"/>
+        <p14:creationId xmlns:p14="http://schemas.microsoft.com/office/powerpoint/2010/main" val="1938498490"/>
       </p:ext>
     </p:extLst>
   </p:cSld>
@@ -2763,7 +2763,7 @@
           <p:cNvPr id="2" name="标题占位符 1">
             <a:extLst>
               <a:ext uri="{FF2B5EF4-FFF2-40B4-BE49-F238E27FC236}">
-                <a16:creationId xmlns:a16="http://schemas.microsoft.com/office/drawing/2014/main" id="{FD4FDA56-AB8A-EBD3-BECB-B91BC10ED262}"/>
+                <a16:creationId xmlns:a16="http://schemas.microsoft.com/office/drawing/2014/main" id="{D74B26DC-6212-ADD4-B8CE-7020B63F72B9}"/>
               </a:ext>
             </a:extLst>
           </p:cNvPr>
@@ -2801,7 +2801,7 @@
           <p:cNvPr id="3" name="文本占位符 2">
             <a:extLst>
               <a:ext uri="{FF2B5EF4-FFF2-40B4-BE49-F238E27FC236}">
-                <a16:creationId xmlns:a16="http://schemas.microsoft.com/office/drawing/2014/main" id="{8962CA7B-E439-FFDD-3604-46343252DB31}"/>
+                <a16:creationId xmlns:a16="http://schemas.microsoft.com/office/drawing/2014/main" id="{F7E9008C-361F-7F13-4DD1-75A87C1B3554}"/>
               </a:ext>
             </a:extLst>
           </p:cNvPr>
@@ -2868,7 +2868,7 @@
           <p:cNvPr id="4" name="日期占位符 3">
             <a:extLst>
               <a:ext uri="{FF2B5EF4-FFF2-40B4-BE49-F238E27FC236}">
-                <a16:creationId xmlns:a16="http://schemas.microsoft.com/office/drawing/2014/main" id="{9B7AF668-831B-01DB-F280-1B6A3026CDEB}"/>
+                <a16:creationId xmlns:a16="http://schemas.microsoft.com/office/drawing/2014/main" id="{04D8E893-0224-F804-9AD8-2D7B122B6894}"/>
               </a:ext>
             </a:extLst>
           </p:cNvPr>
@@ -2902,7 +2902,7 @@
             </a:lvl1pPr>
           </a:lstStyle>
           <a:p>
-            <a:fld id="{D5767B21-5517-49D0-8A74-A7A195F766E9}" type="datetimeFigureOut">
+            <a:fld id="{47272FC4-A9E6-4D04-AA6D-17C5422F7178}" type="datetimeFigureOut">
               <a:rPr lang="zh-CN" altLang="en-US" smtClean="0"/>
               <a:t>2024/3/10</a:t>
             </a:fld>
@@ -2915,7 +2915,7 @@
           <p:cNvPr id="5" name="页脚占位符 4">
             <a:extLst>
               <a:ext uri="{FF2B5EF4-FFF2-40B4-BE49-F238E27FC236}">
-                <a16:creationId xmlns:a16="http://schemas.microsoft.com/office/drawing/2014/main" id="{3C56DFCE-2666-F24D-9325-5532E78171E0}"/>
+                <a16:creationId xmlns:a16="http://schemas.microsoft.com/office/drawing/2014/main" id="{E4EAFD06-433E-23E8-EB9B-06381432076E}"/>
               </a:ext>
             </a:extLst>
           </p:cNvPr>
@@ -2958,7 +2958,7 @@
           <p:cNvPr id="6" name="灯片编号占位符 5">
             <a:extLst>
               <a:ext uri="{FF2B5EF4-FFF2-40B4-BE49-F238E27FC236}">
-                <a16:creationId xmlns:a16="http://schemas.microsoft.com/office/drawing/2014/main" id="{6A6A4DFA-089A-B735-E79B-603680D86CDA}"/>
+                <a16:creationId xmlns:a16="http://schemas.microsoft.com/office/drawing/2014/main" id="{B2565839-C90F-7739-A0EF-D4026EB9A382}"/>
               </a:ext>
             </a:extLst>
           </p:cNvPr>
@@ -2992,7 +2992,7 @@
             </a:lvl1pPr>
           </a:lstStyle>
           <a:p>
-            <a:fld id="{7AA6719D-BA90-48FB-B492-B559014933C7}" type="slidenum">
+            <a:fld id="{F5D3E3C6-B291-44F0-A6BA-3BA4D9CFC11D}" type="slidenum">
               <a:rPr lang="zh-CN" altLang="en-US" smtClean="0"/>
               <a:t>‹#›</a:t>
             </a:fld>
@@ -3003,7 +3003,7 @@
     </p:spTree>
     <p:extLst>
       <p:ext uri="{BB962C8B-B14F-4D97-AF65-F5344CB8AC3E}">
-        <p14:creationId xmlns:p14="http://schemas.microsoft.com/office/powerpoint/2010/main" val="3954522085"/>
+        <p14:creationId xmlns:p14="http://schemas.microsoft.com/office/powerpoint/2010/main" val="1342534847"/>
       </p:ext>
     </p:extLst>
   </p:cSld>
